--- a/360VSOD/show/figure_update/figure-360cap.pptx
+++ b/360VSOD/show/figure_update/figure-360cap.pptx
@@ -243,7 +243,7 @@
           <a:p>
             <a:fld id="{F9100C5E-C61D-FC48-8565-789D69D44F4E}" type="datetimeFigureOut">
               <a:rPr lang="en-US" smtClean="0"/>
-              <a:t>8/30/20</a:t>
+              <a:t>9/11/20</a:t>
             </a:fld>
             <a:endParaRPr lang="en-US"/>
           </a:p>
@@ -413,7 +413,7 @@
           <a:p>
             <a:fld id="{F9100C5E-C61D-FC48-8565-789D69D44F4E}" type="datetimeFigureOut">
               <a:rPr lang="en-US" smtClean="0"/>
-              <a:t>8/30/20</a:t>
+              <a:t>9/11/20</a:t>
             </a:fld>
             <a:endParaRPr lang="en-US"/>
           </a:p>
@@ -593,7 +593,7 @@
           <a:p>
             <a:fld id="{F9100C5E-C61D-FC48-8565-789D69D44F4E}" type="datetimeFigureOut">
               <a:rPr lang="en-US" smtClean="0"/>
-              <a:t>8/30/20</a:t>
+              <a:t>9/11/20</a:t>
             </a:fld>
             <a:endParaRPr lang="en-US"/>
           </a:p>
@@ -763,7 +763,7 @@
           <a:p>
             <a:fld id="{F9100C5E-C61D-FC48-8565-789D69D44F4E}" type="datetimeFigureOut">
               <a:rPr lang="en-US" smtClean="0"/>
-              <a:t>8/30/20</a:t>
+              <a:t>9/11/20</a:t>
             </a:fld>
             <a:endParaRPr lang="en-US"/>
           </a:p>
@@ -1009,7 +1009,7 @@
           <a:p>
             <a:fld id="{F9100C5E-C61D-FC48-8565-789D69D44F4E}" type="datetimeFigureOut">
               <a:rPr lang="en-US" smtClean="0"/>
-              <a:t>8/30/20</a:t>
+              <a:t>9/11/20</a:t>
             </a:fld>
             <a:endParaRPr lang="en-US"/>
           </a:p>
@@ -1241,7 +1241,7 @@
           <a:p>
             <a:fld id="{F9100C5E-C61D-FC48-8565-789D69D44F4E}" type="datetimeFigureOut">
               <a:rPr lang="en-US" smtClean="0"/>
-              <a:t>8/30/20</a:t>
+              <a:t>9/11/20</a:t>
             </a:fld>
             <a:endParaRPr lang="en-US"/>
           </a:p>
@@ -1608,7 +1608,7 @@
           <a:p>
             <a:fld id="{F9100C5E-C61D-FC48-8565-789D69D44F4E}" type="datetimeFigureOut">
               <a:rPr lang="en-US" smtClean="0"/>
-              <a:t>8/30/20</a:t>
+              <a:t>9/11/20</a:t>
             </a:fld>
             <a:endParaRPr lang="en-US"/>
           </a:p>
@@ -1726,7 +1726,7 @@
           <a:p>
             <a:fld id="{F9100C5E-C61D-FC48-8565-789D69D44F4E}" type="datetimeFigureOut">
               <a:rPr lang="en-US" smtClean="0"/>
-              <a:t>8/30/20</a:t>
+              <a:t>9/11/20</a:t>
             </a:fld>
             <a:endParaRPr lang="en-US"/>
           </a:p>
@@ -1821,7 +1821,7 @@
           <a:p>
             <a:fld id="{F9100C5E-C61D-FC48-8565-789D69D44F4E}" type="datetimeFigureOut">
               <a:rPr lang="en-US" smtClean="0"/>
-              <a:t>8/30/20</a:t>
+              <a:t>9/11/20</a:t>
             </a:fld>
             <a:endParaRPr lang="en-US"/>
           </a:p>
@@ -2098,7 +2098,7 @@
           <a:p>
             <a:fld id="{F9100C5E-C61D-FC48-8565-789D69D44F4E}" type="datetimeFigureOut">
               <a:rPr lang="en-US" smtClean="0"/>
-              <a:t>8/30/20</a:t>
+              <a:t>9/11/20</a:t>
             </a:fld>
             <a:endParaRPr lang="en-US"/>
           </a:p>
@@ -2351,7 +2351,7 @@
           <a:p>
             <a:fld id="{F9100C5E-C61D-FC48-8565-789D69D44F4E}" type="datetimeFigureOut">
               <a:rPr lang="en-US" smtClean="0"/>
-              <a:t>8/30/20</a:t>
+              <a:t>9/11/20</a:t>
             </a:fld>
             <a:endParaRPr lang="en-US"/>
           </a:p>
@@ -2564,7 +2564,7 @@
           <a:p>
             <a:fld id="{F9100C5E-C61D-FC48-8565-789D69D44F4E}" type="datetimeFigureOut">
               <a:rPr lang="en-US" smtClean="0"/>
-              <a:t>8/30/20</a:t>
+              <a:t>9/11/20</a:t>
             </a:fld>
             <a:endParaRPr lang="en-US"/>
           </a:p>
@@ -2971,13 +2971,13 @@
       </p:grpSpPr>
       <p:pic>
         <p:nvPicPr>
-          <p:cNvPr id="4" name="Picture 3"/>
+          <p:cNvPr id="27" name="Picture 6" descr="ilm Bande De 35Mm - Images vectorielles gratuites sur Pixabay"/>
           <p:cNvPicPr>
-            <a:picLocks noChangeAspect="1"/>
+            <a:picLocks noChangeAspect="1" noChangeArrowheads="1"/>
           </p:cNvPicPr>
           <p:nvPr/>
         </p:nvPicPr>
-        <p:blipFill>
+        <p:blipFill rotWithShape="1">
           <a:blip r:embed="rId2">
             <a:extLst>
               <a:ext uri="{28A0092B-C50C-407E-A947-70E740481C1C}">
@@ -2985,23 +2985,110 @@
               </a:ext>
             </a:extLst>
           </a:blip>
-          <a:stretch>
-            <a:fillRect/>
-          </a:stretch>
+          <a:srcRect t="26382" b="36363"/>
+          <a:stretch/>
         </p:blipFill>
-        <p:spPr>
+        <p:spPr bwMode="auto">
           <a:xfrm>
-            <a:off x="835737" y="443660"/>
-            <a:ext cx="10058400" cy="1440857"/>
+            <a:off x="914978" y="4238522"/>
+            <a:ext cx="10058399" cy="591927"/>
           </a:xfrm>
           <a:prstGeom prst="rect">
             <a:avLst/>
           </a:prstGeom>
+          <a:noFill/>
+          <a:extLst>
+            <a:ext uri="{909E8E84-426E-40DD-AFC4-6F175D3DCCD1}">
+              <a14:hiddenFill xmlns:a14="http://schemas.microsoft.com/office/drawing/2010/main">
+                <a:solidFill>
+                  <a:srgbClr val="FFFFFF"/>
+                </a:solidFill>
+              </a14:hiddenFill>
+            </a:ext>
+          </a:extLst>
         </p:spPr>
       </p:pic>
       <p:pic>
         <p:nvPicPr>
-          <p:cNvPr id="5" name="Picture 4"/>
+          <p:cNvPr id="26" name="Picture 6" descr="ilm Bande De 35Mm - Images vectorielles gratuites sur Pixabay"/>
+          <p:cNvPicPr>
+            <a:picLocks noChangeAspect="1" noChangeArrowheads="1"/>
+          </p:cNvPicPr>
+          <p:nvPr/>
+        </p:nvPicPr>
+        <p:blipFill rotWithShape="1">
+          <a:blip r:embed="rId2">
+            <a:extLst>
+              <a:ext uri="{28A0092B-C50C-407E-A947-70E740481C1C}">
+                <a14:useLocalDpi xmlns:a14="http://schemas.microsoft.com/office/drawing/2010/main" val="0"/>
+              </a:ext>
+            </a:extLst>
+          </a:blip>
+          <a:srcRect t="26382" b="36363"/>
+          <a:stretch/>
+        </p:blipFill>
+        <p:spPr bwMode="auto">
+          <a:xfrm>
+            <a:off x="914977" y="2559053"/>
+            <a:ext cx="10058399" cy="591927"/>
+          </a:xfrm>
+          <a:prstGeom prst="rect">
+            <a:avLst/>
+          </a:prstGeom>
+          <a:noFill/>
+          <a:extLst>
+            <a:ext uri="{909E8E84-426E-40DD-AFC4-6F175D3DCCD1}">
+              <a14:hiddenFill xmlns:a14="http://schemas.microsoft.com/office/drawing/2010/main">
+                <a:solidFill>
+                  <a:srgbClr val="FFFFFF"/>
+                </a:solidFill>
+              </a14:hiddenFill>
+            </a:ext>
+          </a:extLst>
+        </p:spPr>
+      </p:pic>
+      <p:pic>
+        <p:nvPicPr>
+          <p:cNvPr id="1030" name="Picture 6" descr="ilm Bande De 35Mm - Images vectorielles gratuites sur Pixabay"/>
+          <p:cNvPicPr>
+            <a:picLocks noChangeAspect="1" noChangeArrowheads="1"/>
+          </p:cNvPicPr>
+          <p:nvPr/>
+        </p:nvPicPr>
+        <p:blipFill rotWithShape="1">
+          <a:blip r:embed="rId2">
+            <a:extLst>
+              <a:ext uri="{28A0092B-C50C-407E-A947-70E740481C1C}">
+                <a14:useLocalDpi xmlns:a14="http://schemas.microsoft.com/office/drawing/2010/main" val="0"/>
+              </a:ext>
+            </a:extLst>
+          </a:blip>
+          <a:srcRect t="26382" b="36363"/>
+          <a:stretch/>
+        </p:blipFill>
+        <p:spPr bwMode="auto">
+          <a:xfrm>
+            <a:off x="914978" y="889142"/>
+            <a:ext cx="10058399" cy="591927"/>
+          </a:xfrm>
+          <a:prstGeom prst="rect">
+            <a:avLst/>
+          </a:prstGeom>
+          <a:noFill/>
+          <a:extLst>
+            <a:ext uri="{909E8E84-426E-40DD-AFC4-6F175D3DCCD1}">
+              <a14:hiddenFill xmlns:a14="http://schemas.microsoft.com/office/drawing/2010/main">
+                <a:solidFill>
+                  <a:srgbClr val="FFFFFF"/>
+                </a:solidFill>
+              </a14:hiddenFill>
+            </a:ext>
+          </a:extLst>
+        </p:spPr>
+      </p:pic>
+      <p:pic>
+        <p:nvPicPr>
+          <p:cNvPr id="2" name="Picture 1"/>
           <p:cNvPicPr>
             <a:picLocks noChangeAspect="1"/>
           </p:cNvPicPr>
@@ -3021,7 +3108,7 @@
         </p:blipFill>
         <p:spPr>
           <a:xfrm>
-            <a:off x="835735" y="2054117"/>
+            <a:off x="914976" y="4447400"/>
             <a:ext cx="10058400" cy="1440857"/>
           </a:xfrm>
           <a:prstGeom prst="rect">
@@ -3031,7 +3118,7 @@
       </p:pic>
       <p:pic>
         <p:nvPicPr>
-          <p:cNvPr id="6" name="Picture 5"/>
+          <p:cNvPr id="3" name="Picture 2"/>
           <p:cNvPicPr>
             <a:picLocks noChangeAspect="1"/>
           </p:cNvPicPr>
@@ -3051,7 +3138,7 @@
         </p:blipFill>
         <p:spPr>
           <a:xfrm>
-            <a:off x="835735" y="3664570"/>
+            <a:off x="914979" y="2769919"/>
             <a:ext cx="10058400" cy="1440857"/>
           </a:xfrm>
           <a:prstGeom prst="rect">
@@ -3059,438 +3146,36 @@
           </a:prstGeom>
         </p:spPr>
       </p:pic>
-      <p:sp>
-        <p:nvSpPr>
-          <p:cNvPr id="10" name="Rectangle 9"/>
-          <p:cNvSpPr/>
+      <p:pic>
+        <p:nvPicPr>
+          <p:cNvPr id="7" name="Picture 6"/>
+          <p:cNvPicPr>
+            <a:picLocks noChangeAspect="1"/>
+          </p:cNvPicPr>
           <p:nvPr/>
-        </p:nvSpPr>
+        </p:nvPicPr>
+        <p:blipFill>
+          <a:blip r:embed="rId5">
+            <a:extLst>
+              <a:ext uri="{28A0092B-C50C-407E-A947-70E740481C1C}">
+                <a14:useLocalDpi xmlns:a14="http://schemas.microsoft.com/office/drawing/2010/main" val="0"/>
+              </a:ext>
+            </a:extLst>
+          </a:blip>
+          <a:stretch>
+            <a:fillRect/>
+          </a:stretch>
+        </p:blipFill>
         <p:spPr>
           <a:xfrm>
-            <a:off x="173376" y="528459"/>
-            <a:ext cx="662361" cy="923330"/>
+            <a:off x="914979" y="1093712"/>
+            <a:ext cx="10058400" cy="1440857"/>
           </a:xfrm>
           <a:prstGeom prst="rect">
             <a:avLst/>
           </a:prstGeom>
-          <a:noFill/>
         </p:spPr>
-        <p:txBody>
-          <a:bodyPr wrap="none" lIns="91440" tIns="45720" rIns="91440" bIns="45720">
-            <a:spAutoFit/>
-          </a:bodyPr>
-          <a:lstStyle/>
-          <a:p>
-            <a:pPr algn="ctr"/>
-            <a:r>
-              <a:rPr lang="mr-IN" altLang="zh-CN" sz="5400" b="0" cap="none" spc="0" dirty="0" smtClean="0">
-                <a:ln w="0"/>
-                <a:solidFill>
-                  <a:schemeClr val="accent1">
-                    <a:lumMod val="50000"/>
-                  </a:schemeClr>
-                </a:solidFill>
-                <a:effectLst>
-                  <a:outerShdw blurRad="38100" dist="19050" dir="2700000" algn="tl" rotWithShape="0">
-                    <a:schemeClr val="dk1">
-                      <a:alpha val="40000"/>
-                    </a:schemeClr>
-                  </a:outerShdw>
-                </a:effectLst>
-              </a:rPr>
-              <a:t>…</a:t>
-            </a:r>
-            <a:endParaRPr lang="en-US" altLang="zh-CN" sz="5400" b="0" cap="none" spc="0" dirty="0">
-              <a:ln w="0"/>
-              <a:solidFill>
-                <a:schemeClr val="accent1">
-                  <a:lumMod val="50000"/>
-                </a:schemeClr>
-              </a:solidFill>
-              <a:effectLst>
-                <a:outerShdw blurRad="38100" dist="19050" dir="2700000" algn="tl" rotWithShape="0">
-                  <a:schemeClr val="dk1">
-                    <a:alpha val="40000"/>
-                  </a:schemeClr>
-                </a:outerShdw>
-              </a:effectLst>
-            </a:endParaRPr>
-          </a:p>
-        </p:txBody>
-      </p:sp>
-      <p:sp>
-        <p:nvSpPr>
-          <p:cNvPr id="11" name="Rectangle 10"/>
-          <p:cNvSpPr/>
-          <p:nvPr/>
-        </p:nvSpPr>
-        <p:spPr>
-          <a:xfrm>
-            <a:off x="10894137" y="528459"/>
-            <a:ext cx="662361" cy="923330"/>
-          </a:xfrm>
-          <a:prstGeom prst="rect">
-            <a:avLst/>
-          </a:prstGeom>
-          <a:noFill/>
-        </p:spPr>
-        <p:txBody>
-          <a:bodyPr wrap="none" lIns="91440" tIns="45720" rIns="91440" bIns="45720">
-            <a:spAutoFit/>
-          </a:bodyPr>
-          <a:lstStyle/>
-          <a:p>
-            <a:pPr algn="ctr"/>
-            <a:r>
-              <a:rPr lang="mr-IN" altLang="zh-CN" sz="5400" b="0" cap="none" spc="0" dirty="0" smtClean="0">
-                <a:ln w="0"/>
-                <a:solidFill>
-                  <a:schemeClr val="accent1">
-                    <a:lumMod val="50000"/>
-                  </a:schemeClr>
-                </a:solidFill>
-                <a:effectLst>
-                  <a:outerShdw blurRad="38100" dist="19050" dir="2700000" algn="tl" rotWithShape="0">
-                    <a:schemeClr val="dk1">
-                      <a:alpha val="40000"/>
-                    </a:schemeClr>
-                  </a:outerShdw>
-                </a:effectLst>
-              </a:rPr>
-              <a:t>…</a:t>
-            </a:r>
-            <a:endParaRPr lang="en-US" altLang="zh-CN" sz="5400" b="0" cap="none" spc="0" dirty="0">
-              <a:ln w="0"/>
-              <a:solidFill>
-                <a:schemeClr val="accent1">
-                  <a:lumMod val="50000"/>
-                </a:schemeClr>
-              </a:solidFill>
-              <a:effectLst>
-                <a:outerShdw blurRad="38100" dist="19050" dir="2700000" algn="tl" rotWithShape="0">
-                  <a:schemeClr val="dk1">
-                    <a:alpha val="40000"/>
-                  </a:schemeClr>
-                </a:outerShdw>
-              </a:effectLst>
-            </a:endParaRPr>
-          </a:p>
-        </p:txBody>
-      </p:sp>
-      <p:sp>
-        <p:nvSpPr>
-          <p:cNvPr id="16" name="Rectangle 15"/>
-          <p:cNvSpPr/>
-          <p:nvPr/>
-        </p:nvSpPr>
-        <p:spPr>
-          <a:xfrm>
-            <a:off x="193729" y="2133139"/>
-            <a:ext cx="662361" cy="923330"/>
-          </a:xfrm>
-          <a:prstGeom prst="rect">
-            <a:avLst/>
-          </a:prstGeom>
-          <a:noFill/>
-        </p:spPr>
-        <p:txBody>
-          <a:bodyPr wrap="none" lIns="91440" tIns="45720" rIns="91440" bIns="45720">
-            <a:spAutoFit/>
-          </a:bodyPr>
-          <a:lstStyle/>
-          <a:p>
-            <a:pPr algn="ctr"/>
-            <a:r>
-              <a:rPr lang="mr-IN" altLang="zh-CN" sz="5400" b="0" cap="none" spc="0" dirty="0" smtClean="0">
-                <a:ln w="0"/>
-                <a:solidFill>
-                  <a:schemeClr val="accent1">
-                    <a:lumMod val="50000"/>
-                  </a:schemeClr>
-                </a:solidFill>
-                <a:effectLst>
-                  <a:outerShdw blurRad="38100" dist="19050" dir="2700000" algn="tl" rotWithShape="0">
-                    <a:schemeClr val="dk1">
-                      <a:alpha val="40000"/>
-                    </a:schemeClr>
-                  </a:outerShdw>
-                </a:effectLst>
-              </a:rPr>
-              <a:t>…</a:t>
-            </a:r>
-            <a:endParaRPr lang="en-US" altLang="zh-CN" sz="5400" b="0" cap="none" spc="0" dirty="0">
-              <a:ln w="0"/>
-              <a:solidFill>
-                <a:schemeClr val="accent1">
-                  <a:lumMod val="50000"/>
-                </a:schemeClr>
-              </a:solidFill>
-              <a:effectLst>
-                <a:outerShdw blurRad="38100" dist="19050" dir="2700000" algn="tl" rotWithShape="0">
-                  <a:schemeClr val="dk1">
-                    <a:alpha val="40000"/>
-                  </a:schemeClr>
-                </a:outerShdw>
-              </a:effectLst>
-            </a:endParaRPr>
-          </a:p>
-        </p:txBody>
-      </p:sp>
-      <p:sp>
-        <p:nvSpPr>
-          <p:cNvPr id="17" name="Rectangle 16"/>
-          <p:cNvSpPr/>
-          <p:nvPr/>
-        </p:nvSpPr>
-        <p:spPr>
-          <a:xfrm>
-            <a:off x="193729" y="3743592"/>
-            <a:ext cx="662361" cy="923330"/>
-          </a:xfrm>
-          <a:prstGeom prst="rect">
-            <a:avLst/>
-          </a:prstGeom>
-          <a:noFill/>
-        </p:spPr>
-        <p:txBody>
-          <a:bodyPr wrap="none" lIns="91440" tIns="45720" rIns="91440" bIns="45720">
-            <a:spAutoFit/>
-          </a:bodyPr>
-          <a:lstStyle/>
-          <a:p>
-            <a:pPr algn="ctr"/>
-            <a:r>
-              <a:rPr lang="mr-IN" altLang="zh-CN" sz="5400" b="0" cap="none" spc="0" dirty="0" smtClean="0">
-                <a:ln w="0"/>
-                <a:solidFill>
-                  <a:schemeClr val="accent1">
-                    <a:lumMod val="50000"/>
-                  </a:schemeClr>
-                </a:solidFill>
-                <a:effectLst>
-                  <a:outerShdw blurRad="38100" dist="19050" dir="2700000" algn="tl" rotWithShape="0">
-                    <a:schemeClr val="dk1">
-                      <a:alpha val="40000"/>
-                    </a:schemeClr>
-                  </a:outerShdw>
-                </a:effectLst>
-              </a:rPr>
-              <a:t>…</a:t>
-            </a:r>
-            <a:endParaRPr lang="en-US" altLang="zh-CN" sz="5400" b="0" cap="none" spc="0" dirty="0">
-              <a:ln w="0"/>
-              <a:solidFill>
-                <a:schemeClr val="accent1">
-                  <a:lumMod val="50000"/>
-                </a:schemeClr>
-              </a:solidFill>
-              <a:effectLst>
-                <a:outerShdw blurRad="38100" dist="19050" dir="2700000" algn="tl" rotWithShape="0">
-                  <a:schemeClr val="dk1">
-                    <a:alpha val="40000"/>
-                  </a:schemeClr>
-                </a:outerShdw>
-              </a:effectLst>
-            </a:endParaRPr>
-          </a:p>
-        </p:txBody>
-      </p:sp>
-      <p:sp>
-        <p:nvSpPr>
-          <p:cNvPr id="18" name="Rectangle 17"/>
-          <p:cNvSpPr/>
-          <p:nvPr/>
-        </p:nvSpPr>
-        <p:spPr>
-          <a:xfrm>
-            <a:off x="10873780" y="2132757"/>
-            <a:ext cx="662361" cy="923330"/>
-          </a:xfrm>
-          <a:prstGeom prst="rect">
-            <a:avLst/>
-          </a:prstGeom>
-          <a:noFill/>
-        </p:spPr>
-        <p:txBody>
-          <a:bodyPr wrap="none" lIns="91440" tIns="45720" rIns="91440" bIns="45720">
-            <a:spAutoFit/>
-          </a:bodyPr>
-          <a:lstStyle/>
-          <a:p>
-            <a:pPr algn="ctr"/>
-            <a:r>
-              <a:rPr lang="mr-IN" altLang="zh-CN" sz="5400" b="0" cap="none" spc="0" dirty="0" smtClean="0">
-                <a:ln w="0"/>
-                <a:solidFill>
-                  <a:schemeClr val="accent1">
-                    <a:lumMod val="50000"/>
-                  </a:schemeClr>
-                </a:solidFill>
-                <a:effectLst>
-                  <a:outerShdw blurRad="38100" dist="19050" dir="2700000" algn="tl" rotWithShape="0">
-                    <a:schemeClr val="dk1">
-                      <a:alpha val="40000"/>
-                    </a:schemeClr>
-                  </a:outerShdw>
-                </a:effectLst>
-              </a:rPr>
-              <a:t>…</a:t>
-            </a:r>
-            <a:endParaRPr lang="en-US" altLang="zh-CN" sz="5400" b="0" cap="none" spc="0" dirty="0">
-              <a:ln w="0"/>
-              <a:solidFill>
-                <a:schemeClr val="accent1">
-                  <a:lumMod val="50000"/>
-                </a:schemeClr>
-              </a:solidFill>
-              <a:effectLst>
-                <a:outerShdw blurRad="38100" dist="19050" dir="2700000" algn="tl" rotWithShape="0">
-                  <a:schemeClr val="dk1">
-                    <a:alpha val="40000"/>
-                  </a:schemeClr>
-                </a:outerShdw>
-              </a:effectLst>
-            </a:endParaRPr>
-          </a:p>
-        </p:txBody>
-      </p:sp>
-      <p:sp>
-        <p:nvSpPr>
-          <p:cNvPr id="19" name="Rectangle 18"/>
-          <p:cNvSpPr/>
-          <p:nvPr/>
-        </p:nvSpPr>
-        <p:spPr>
-          <a:xfrm>
-            <a:off x="10873779" y="3743592"/>
-            <a:ext cx="662361" cy="923330"/>
-          </a:xfrm>
-          <a:prstGeom prst="rect">
-            <a:avLst/>
-          </a:prstGeom>
-          <a:noFill/>
-        </p:spPr>
-        <p:txBody>
-          <a:bodyPr wrap="none" lIns="91440" tIns="45720" rIns="91440" bIns="45720">
-            <a:spAutoFit/>
-          </a:bodyPr>
-          <a:lstStyle/>
-          <a:p>
-            <a:pPr algn="ctr"/>
-            <a:r>
-              <a:rPr lang="mr-IN" altLang="zh-CN" sz="5400" b="0" cap="none" spc="0" dirty="0" smtClean="0">
-                <a:ln w="0"/>
-                <a:solidFill>
-                  <a:schemeClr val="accent1">
-                    <a:lumMod val="50000"/>
-                  </a:schemeClr>
-                </a:solidFill>
-                <a:effectLst>
-                  <a:outerShdw blurRad="38100" dist="19050" dir="2700000" algn="tl" rotWithShape="0">
-                    <a:schemeClr val="dk1">
-                      <a:alpha val="40000"/>
-                    </a:schemeClr>
-                  </a:outerShdw>
-                </a:effectLst>
-              </a:rPr>
-              <a:t>…</a:t>
-            </a:r>
-            <a:endParaRPr lang="en-US" altLang="zh-CN" sz="5400" b="0" cap="none" spc="0" dirty="0">
-              <a:ln w="0"/>
-              <a:solidFill>
-                <a:schemeClr val="accent1">
-                  <a:lumMod val="50000"/>
-                </a:schemeClr>
-              </a:solidFill>
-              <a:effectLst>
-                <a:outerShdw blurRad="38100" dist="19050" dir="2700000" algn="tl" rotWithShape="0">
-                  <a:schemeClr val="dk1">
-                    <a:alpha val="40000"/>
-                  </a:schemeClr>
-                </a:outerShdw>
-              </a:effectLst>
-            </a:endParaRPr>
-          </a:p>
-        </p:txBody>
-      </p:sp>
-      <p:cxnSp>
-        <p:nvCxnSpPr>
-          <p:cNvPr id="25" name="Straight Arrow Connector 24"/>
-          <p:cNvCxnSpPr/>
-          <p:nvPr/>
-        </p:nvCxnSpPr>
-        <p:spPr>
-          <a:xfrm flipV="1">
-            <a:off x="335666" y="1969316"/>
-            <a:ext cx="11063854" cy="2"/>
-          </a:xfrm>
-          <a:prstGeom prst="straightConnector1">
-            <a:avLst/>
-          </a:prstGeom>
-          <a:ln w="50800" cmpd="dbl">
-            <a:solidFill>
-              <a:schemeClr val="accent1">
-                <a:lumMod val="50000"/>
-              </a:schemeClr>
-            </a:solidFill>
-            <a:prstDash val="solid"/>
-            <a:tailEnd type="triangle"/>
-          </a:ln>
-        </p:spPr>
-        <p:style>
-          <a:lnRef idx="1">
-            <a:schemeClr val="accent1"/>
-          </a:lnRef>
-          <a:fillRef idx="0">
-            <a:schemeClr val="accent1"/>
-          </a:fillRef>
-          <a:effectRef idx="0">
-            <a:schemeClr val="accent1"/>
-          </a:effectRef>
-          <a:fontRef idx="minor">
-            <a:schemeClr val="tx1"/>
-          </a:fontRef>
-        </p:style>
-      </p:cxnSp>
-      <p:cxnSp>
-        <p:nvCxnSpPr>
-          <p:cNvPr id="31" name="Straight Arrow Connector 30"/>
-          <p:cNvCxnSpPr/>
-          <p:nvPr/>
-        </p:nvCxnSpPr>
-        <p:spPr>
-          <a:xfrm flipV="1">
-            <a:off x="335666" y="3579771"/>
-            <a:ext cx="11063854" cy="2"/>
-          </a:xfrm>
-          <a:prstGeom prst="straightConnector1">
-            <a:avLst/>
-          </a:prstGeom>
-          <a:ln w="50800" cmpd="dbl">
-            <a:solidFill>
-              <a:schemeClr val="accent1">
-                <a:lumMod val="50000"/>
-              </a:schemeClr>
-            </a:solidFill>
-            <a:prstDash val="solid"/>
-            <a:tailEnd type="triangle"/>
-          </a:ln>
-        </p:spPr>
-        <p:style>
-          <a:lnRef idx="1">
-            <a:schemeClr val="accent1"/>
-          </a:lnRef>
-          <a:fillRef idx="0">
-            <a:schemeClr val="accent1"/>
-          </a:fillRef>
-          <a:effectRef idx="0">
-            <a:schemeClr val="accent1"/>
-          </a:effectRef>
-          <a:fontRef idx="minor">
-            <a:schemeClr val="tx1"/>
-          </a:fontRef>
-        </p:style>
-      </p:cxnSp>
+      </p:pic>
     </p:spTree>
     <p:extLst>
       <p:ext uri="{BB962C8B-B14F-4D97-AF65-F5344CB8AC3E}">

--- a/360VSOD/show/figure_update/figure-360cap.pptx
+++ b/360VSOD/show/figure_update/figure-360cap.pptx
@@ -243,7 +243,7 @@
           <a:p>
             <a:fld id="{F9100C5E-C61D-FC48-8565-789D69D44F4E}" type="datetimeFigureOut">
               <a:rPr lang="en-US" smtClean="0"/>
-              <a:t>9/11/20</a:t>
+              <a:t>9/21/20</a:t>
             </a:fld>
             <a:endParaRPr lang="en-US"/>
           </a:p>
@@ -413,7 +413,7 @@
           <a:p>
             <a:fld id="{F9100C5E-C61D-FC48-8565-789D69D44F4E}" type="datetimeFigureOut">
               <a:rPr lang="en-US" smtClean="0"/>
-              <a:t>9/11/20</a:t>
+              <a:t>9/21/20</a:t>
             </a:fld>
             <a:endParaRPr lang="en-US"/>
           </a:p>
@@ -593,7 +593,7 @@
           <a:p>
             <a:fld id="{F9100C5E-C61D-FC48-8565-789D69D44F4E}" type="datetimeFigureOut">
               <a:rPr lang="en-US" smtClean="0"/>
-              <a:t>9/11/20</a:t>
+              <a:t>9/21/20</a:t>
             </a:fld>
             <a:endParaRPr lang="en-US"/>
           </a:p>
@@ -763,7 +763,7 @@
           <a:p>
             <a:fld id="{F9100C5E-C61D-FC48-8565-789D69D44F4E}" type="datetimeFigureOut">
               <a:rPr lang="en-US" smtClean="0"/>
-              <a:t>9/11/20</a:t>
+              <a:t>9/21/20</a:t>
             </a:fld>
             <a:endParaRPr lang="en-US"/>
           </a:p>
@@ -1009,7 +1009,7 @@
           <a:p>
             <a:fld id="{F9100C5E-C61D-FC48-8565-789D69D44F4E}" type="datetimeFigureOut">
               <a:rPr lang="en-US" smtClean="0"/>
-              <a:t>9/11/20</a:t>
+              <a:t>9/21/20</a:t>
             </a:fld>
             <a:endParaRPr lang="en-US"/>
           </a:p>
@@ -1241,7 +1241,7 @@
           <a:p>
             <a:fld id="{F9100C5E-C61D-FC48-8565-789D69D44F4E}" type="datetimeFigureOut">
               <a:rPr lang="en-US" smtClean="0"/>
-              <a:t>9/11/20</a:t>
+              <a:t>9/21/20</a:t>
             </a:fld>
             <a:endParaRPr lang="en-US"/>
           </a:p>
@@ -1608,7 +1608,7 @@
           <a:p>
             <a:fld id="{F9100C5E-C61D-FC48-8565-789D69D44F4E}" type="datetimeFigureOut">
               <a:rPr lang="en-US" smtClean="0"/>
-              <a:t>9/11/20</a:t>
+              <a:t>9/21/20</a:t>
             </a:fld>
             <a:endParaRPr lang="en-US"/>
           </a:p>
@@ -1726,7 +1726,7 @@
           <a:p>
             <a:fld id="{F9100C5E-C61D-FC48-8565-789D69D44F4E}" type="datetimeFigureOut">
               <a:rPr lang="en-US" smtClean="0"/>
-              <a:t>9/11/20</a:t>
+              <a:t>9/21/20</a:t>
             </a:fld>
             <a:endParaRPr lang="en-US"/>
           </a:p>
@@ -1821,7 +1821,7 @@
           <a:p>
             <a:fld id="{F9100C5E-C61D-FC48-8565-789D69D44F4E}" type="datetimeFigureOut">
               <a:rPr lang="en-US" smtClean="0"/>
-              <a:t>9/11/20</a:t>
+              <a:t>9/21/20</a:t>
             </a:fld>
             <a:endParaRPr lang="en-US"/>
           </a:p>
@@ -2098,7 +2098,7 @@
           <a:p>
             <a:fld id="{F9100C5E-C61D-FC48-8565-789D69D44F4E}" type="datetimeFigureOut">
               <a:rPr lang="en-US" smtClean="0"/>
-              <a:t>9/11/20</a:t>
+              <a:t>9/21/20</a:t>
             </a:fld>
             <a:endParaRPr lang="en-US"/>
           </a:p>
@@ -2351,7 +2351,7 @@
           <a:p>
             <a:fld id="{F9100C5E-C61D-FC48-8565-789D69D44F4E}" type="datetimeFigureOut">
               <a:rPr lang="en-US" smtClean="0"/>
-              <a:t>9/11/20</a:t>
+              <a:t>9/21/20</a:t>
             </a:fld>
             <a:endParaRPr lang="en-US"/>
           </a:p>
@@ -2564,7 +2564,7 @@
           <a:p>
             <a:fld id="{F9100C5E-C61D-FC48-8565-789D69D44F4E}" type="datetimeFigureOut">
               <a:rPr lang="en-US" smtClean="0"/>
-              <a:t>9/11/20</a:t>
+              <a:t>9/21/20</a:t>
             </a:fld>
             <a:endParaRPr lang="en-US"/>
           </a:p>
@@ -2971,7 +2971,7 @@
       </p:grpSpPr>
       <p:pic>
         <p:nvPicPr>
-          <p:cNvPr id="27" name="Picture 6" descr="ilm Bande De 35Mm - Images vectorielles gratuites sur Pixabay"/>
+          <p:cNvPr id="8" name="Picture 6" descr="ilm Bande De 35Mm - Images vectorielles gratuites sur Pixabay"/>
           <p:cNvPicPr>
             <a:picLocks noChangeAspect="1" noChangeArrowheads="1"/>
           </p:cNvPicPr>
@@ -2990,47 +2990,8 @@
         </p:blipFill>
         <p:spPr bwMode="auto">
           <a:xfrm>
-            <a:off x="914978" y="4238522"/>
-            <a:ext cx="10058399" cy="591927"/>
-          </a:xfrm>
-          <a:prstGeom prst="rect">
-            <a:avLst/>
-          </a:prstGeom>
-          <a:noFill/>
-          <a:extLst>
-            <a:ext uri="{909E8E84-426E-40DD-AFC4-6F175D3DCCD1}">
-              <a14:hiddenFill xmlns:a14="http://schemas.microsoft.com/office/drawing/2010/main">
-                <a:solidFill>
-                  <a:srgbClr val="FFFFFF"/>
-                </a:solidFill>
-              </a14:hiddenFill>
-            </a:ext>
-          </a:extLst>
-        </p:spPr>
-      </p:pic>
-      <p:pic>
-        <p:nvPicPr>
-          <p:cNvPr id="26" name="Picture 6" descr="ilm Bande De 35Mm - Images vectorielles gratuites sur Pixabay"/>
-          <p:cNvPicPr>
-            <a:picLocks noChangeAspect="1" noChangeArrowheads="1"/>
-          </p:cNvPicPr>
-          <p:nvPr/>
-        </p:nvPicPr>
-        <p:blipFill rotWithShape="1">
-          <a:blip r:embed="rId2">
-            <a:extLst>
-              <a:ext uri="{28A0092B-C50C-407E-A947-70E740481C1C}">
-                <a14:useLocalDpi xmlns:a14="http://schemas.microsoft.com/office/drawing/2010/main" val="0"/>
-              </a:ext>
-            </a:extLst>
-          </a:blip>
-          <a:srcRect t="26382" b="36363"/>
-          <a:stretch/>
-        </p:blipFill>
-        <p:spPr bwMode="auto">
-          <a:xfrm>
-            <a:off x="914977" y="2559053"/>
-            <a:ext cx="10058399" cy="591927"/>
+            <a:off x="914975" y="887009"/>
+            <a:ext cx="10058399" cy="373491"/>
           </a:xfrm>
           <a:prstGeom prst="rect">
             <a:avLst/>
@@ -3067,9 +3028,9 @@
           <a:stretch/>
         </p:blipFill>
         <p:spPr bwMode="auto">
-          <a:xfrm>
-            <a:off x="914978" y="889142"/>
-            <a:ext cx="10058399" cy="591927"/>
+          <a:xfrm rot="10800000">
+            <a:off x="914976" y="5094621"/>
+            <a:ext cx="10058399" cy="373491"/>
           </a:xfrm>
           <a:prstGeom prst="rect">
             <a:avLst/>
@@ -3108,7 +3069,7 @@
         </p:blipFill>
         <p:spPr>
           <a:xfrm>
-            <a:off x="914976" y="4447400"/>
+            <a:off x="914976" y="3925430"/>
             <a:ext cx="10058400" cy="1440857"/>
           </a:xfrm>
           <a:prstGeom prst="rect">
@@ -3138,7 +3099,7 @@
         </p:blipFill>
         <p:spPr>
           <a:xfrm>
-            <a:off x="914979" y="2769919"/>
+            <a:off x="914979" y="2453203"/>
             <a:ext cx="10058400" cy="1440857"/>
           </a:xfrm>
           <a:prstGeom prst="rect">
@@ -3168,7 +3129,7 @@
         </p:blipFill>
         <p:spPr>
           <a:xfrm>
-            <a:off x="914979" y="1093712"/>
+            <a:off x="914979" y="990680"/>
             <a:ext cx="10058400" cy="1440857"/>
           </a:xfrm>
           <a:prstGeom prst="rect">

--- a/360VSOD/show/figure_update/figure-360cap.pptx
+++ b/360VSOD/show/figure_update/figure-360cap.pptx
@@ -4,8 +4,12 @@
   <p:sldMasterIdLst>
     <p:sldMasterId id="2147483648" r:id="rId1"/>
   </p:sldMasterIdLst>
+  <p:notesMasterIdLst>
+    <p:notesMasterId r:id="rId4"/>
+  </p:notesMasterIdLst>
   <p:sldIdLst>
     <p:sldId id="256" r:id="rId2"/>
+    <p:sldId id="257" r:id="rId3"/>
   </p:sldIdLst>
   <p:sldSz cx="12192000" cy="6858000"/>
   <p:notesSz cx="6858000" cy="9144000"/>
@@ -112,6 +116,356 @@
 </p:presentation>
 </file>
 
+<file path=ppt/notesMasters/notesMaster1.xml><?xml version="1.0" encoding="utf-8"?>
+<p:notesMaster xmlns:a="http://schemas.openxmlformats.org/drawingml/2006/main" xmlns:r="http://schemas.openxmlformats.org/officeDocument/2006/relationships" xmlns:p="http://schemas.openxmlformats.org/presentationml/2006/main">
+  <p:cSld>
+    <p:bg>
+      <p:bgRef idx="1001">
+        <a:schemeClr val="bg1"/>
+      </p:bgRef>
+    </p:bg>
+    <p:spTree>
+      <p:nvGrpSpPr>
+        <p:cNvPr id="1" name=""/>
+        <p:cNvGrpSpPr/>
+        <p:nvPr/>
+      </p:nvGrpSpPr>
+      <p:grpSpPr>
+        <a:xfrm>
+          <a:off x="0" y="0"/>
+          <a:ext cx="0" cy="0"/>
+          <a:chOff x="0" y="0"/>
+          <a:chExt cx="0" cy="0"/>
+        </a:xfrm>
+      </p:grpSpPr>
+      <p:sp>
+        <p:nvSpPr>
+          <p:cNvPr id="2" name="Header Placeholder 1"/>
+          <p:cNvSpPr>
+            <a:spLocks noGrp="1"/>
+          </p:cNvSpPr>
+          <p:nvPr>
+            <p:ph type="hdr" sz="quarter"/>
+          </p:nvPr>
+        </p:nvSpPr>
+        <p:spPr>
+          <a:xfrm>
+            <a:off x="0" y="0"/>
+            <a:ext cx="2971800" cy="458788"/>
+          </a:xfrm>
+          <a:prstGeom prst="rect">
+            <a:avLst/>
+          </a:prstGeom>
+        </p:spPr>
+        <p:txBody>
+          <a:bodyPr vert="horz" lIns="91440" tIns="45720" rIns="91440" bIns="45720" rtlCol="0"/>
+          <a:lstStyle>
+            <a:lvl1pPr algn="l">
+              <a:defRPr sz="1200"/>
+            </a:lvl1pPr>
+          </a:lstStyle>
+          <a:p>
+            <a:endParaRPr lang="en-US"/>
+          </a:p>
+        </p:txBody>
+      </p:sp>
+      <p:sp>
+        <p:nvSpPr>
+          <p:cNvPr id="3" name="Date Placeholder 2"/>
+          <p:cNvSpPr>
+            <a:spLocks noGrp="1"/>
+          </p:cNvSpPr>
+          <p:nvPr>
+            <p:ph type="dt" idx="1"/>
+          </p:nvPr>
+        </p:nvSpPr>
+        <p:spPr>
+          <a:xfrm>
+            <a:off x="3884613" y="0"/>
+            <a:ext cx="2971800" cy="458788"/>
+          </a:xfrm>
+          <a:prstGeom prst="rect">
+            <a:avLst/>
+          </a:prstGeom>
+        </p:spPr>
+        <p:txBody>
+          <a:bodyPr vert="horz" lIns="91440" tIns="45720" rIns="91440" bIns="45720" rtlCol="0"/>
+          <a:lstStyle>
+            <a:lvl1pPr algn="r">
+              <a:defRPr sz="1200"/>
+            </a:lvl1pPr>
+          </a:lstStyle>
+          <a:p>
+            <a:fld id="{C3BD9E1B-4E49-8C49-B973-07A733072DA3}" type="datetimeFigureOut">
+              <a:rPr lang="en-US" smtClean="0"/>
+              <a:t>9/25/20</a:t>
+            </a:fld>
+            <a:endParaRPr lang="en-US"/>
+          </a:p>
+        </p:txBody>
+      </p:sp>
+      <p:sp>
+        <p:nvSpPr>
+          <p:cNvPr id="4" name="Slide Image Placeholder 3"/>
+          <p:cNvSpPr>
+            <a:spLocks noGrp="1" noRot="1" noChangeAspect="1"/>
+          </p:cNvSpPr>
+          <p:nvPr>
+            <p:ph type="sldImg" idx="2"/>
+          </p:nvPr>
+        </p:nvSpPr>
+        <p:spPr>
+          <a:xfrm>
+            <a:off x="685800" y="1143000"/>
+            <a:ext cx="5486400" cy="3086100"/>
+          </a:xfrm>
+          <a:prstGeom prst="rect">
+            <a:avLst/>
+          </a:prstGeom>
+          <a:noFill/>
+          <a:ln w="12700">
+            <a:solidFill>
+              <a:prstClr val="black"/>
+            </a:solidFill>
+          </a:ln>
+        </p:spPr>
+        <p:txBody>
+          <a:bodyPr vert="horz" lIns="91440" tIns="45720" rIns="91440" bIns="45720" rtlCol="0" anchor="ctr"/>
+          <a:lstStyle/>
+          <a:p>
+            <a:endParaRPr lang="en-US"/>
+          </a:p>
+        </p:txBody>
+      </p:sp>
+      <p:sp>
+        <p:nvSpPr>
+          <p:cNvPr id="5" name="Notes Placeholder 4"/>
+          <p:cNvSpPr>
+            <a:spLocks noGrp="1"/>
+          </p:cNvSpPr>
+          <p:nvPr>
+            <p:ph type="body" sz="quarter" idx="3"/>
+          </p:nvPr>
+        </p:nvSpPr>
+        <p:spPr>
+          <a:xfrm>
+            <a:off x="685800" y="4400550"/>
+            <a:ext cx="5486400" cy="3600450"/>
+          </a:xfrm>
+          <a:prstGeom prst="rect">
+            <a:avLst/>
+          </a:prstGeom>
+        </p:spPr>
+        <p:txBody>
+          <a:bodyPr vert="horz" lIns="91440" tIns="45720" rIns="91440" bIns="45720" rtlCol="0"/>
+          <a:lstStyle/>
+          <a:p>
+            <a:pPr lvl="0"/>
+            <a:r>
+              <a:rPr lang="en-US" smtClean="0"/>
+              <a:t>Click to edit Master text styles</a:t>
+            </a:r>
+          </a:p>
+          <a:p>
+            <a:pPr lvl="1"/>
+            <a:r>
+              <a:rPr lang="en-US" smtClean="0"/>
+              <a:t>Second level</a:t>
+            </a:r>
+          </a:p>
+          <a:p>
+            <a:pPr lvl="2"/>
+            <a:r>
+              <a:rPr lang="en-US" smtClean="0"/>
+              <a:t>Third level</a:t>
+            </a:r>
+          </a:p>
+          <a:p>
+            <a:pPr lvl="3"/>
+            <a:r>
+              <a:rPr lang="en-US" smtClean="0"/>
+              <a:t>Fourth level</a:t>
+            </a:r>
+          </a:p>
+          <a:p>
+            <a:pPr lvl="4"/>
+            <a:r>
+              <a:rPr lang="en-US" smtClean="0"/>
+              <a:t>Fifth level</a:t>
+            </a:r>
+            <a:endParaRPr lang="en-US"/>
+          </a:p>
+        </p:txBody>
+      </p:sp>
+      <p:sp>
+        <p:nvSpPr>
+          <p:cNvPr id="6" name="Footer Placeholder 5"/>
+          <p:cNvSpPr>
+            <a:spLocks noGrp="1"/>
+          </p:cNvSpPr>
+          <p:nvPr>
+            <p:ph type="ftr" sz="quarter" idx="4"/>
+          </p:nvPr>
+        </p:nvSpPr>
+        <p:spPr>
+          <a:xfrm>
+            <a:off x="0" y="8685213"/>
+            <a:ext cx="2971800" cy="458787"/>
+          </a:xfrm>
+          <a:prstGeom prst="rect">
+            <a:avLst/>
+          </a:prstGeom>
+        </p:spPr>
+        <p:txBody>
+          <a:bodyPr vert="horz" lIns="91440" tIns="45720" rIns="91440" bIns="45720" rtlCol="0" anchor="b"/>
+          <a:lstStyle>
+            <a:lvl1pPr algn="l">
+              <a:defRPr sz="1200"/>
+            </a:lvl1pPr>
+          </a:lstStyle>
+          <a:p>
+            <a:endParaRPr lang="en-US"/>
+          </a:p>
+        </p:txBody>
+      </p:sp>
+      <p:sp>
+        <p:nvSpPr>
+          <p:cNvPr id="7" name="Slide Number Placeholder 6"/>
+          <p:cNvSpPr>
+            <a:spLocks noGrp="1"/>
+          </p:cNvSpPr>
+          <p:nvPr>
+            <p:ph type="sldNum" sz="quarter" idx="5"/>
+          </p:nvPr>
+        </p:nvSpPr>
+        <p:spPr>
+          <a:xfrm>
+            <a:off x="3884613" y="8685213"/>
+            <a:ext cx="2971800" cy="458787"/>
+          </a:xfrm>
+          <a:prstGeom prst="rect">
+            <a:avLst/>
+          </a:prstGeom>
+        </p:spPr>
+        <p:txBody>
+          <a:bodyPr vert="horz" lIns="91440" tIns="45720" rIns="91440" bIns="45720" rtlCol="0" anchor="b"/>
+          <a:lstStyle>
+            <a:lvl1pPr algn="r">
+              <a:defRPr sz="1200"/>
+            </a:lvl1pPr>
+          </a:lstStyle>
+          <a:p>
+            <a:fld id="{1769BB45-8A1C-8640-A31D-7C2E199DDD3E}" type="slidenum">
+              <a:rPr lang="en-US" smtClean="0"/>
+              <a:t>‹#›</a:t>
+            </a:fld>
+            <a:endParaRPr lang="en-US"/>
+          </a:p>
+        </p:txBody>
+      </p:sp>
+    </p:spTree>
+    <p:extLst>
+      <p:ext uri="{BB962C8B-B14F-4D97-AF65-F5344CB8AC3E}">
+        <p14:creationId xmlns:p14="http://schemas.microsoft.com/office/powerpoint/2010/main" val="2127839432"/>
+      </p:ext>
+    </p:extLst>
+  </p:cSld>
+  <p:clrMap bg1="lt1" tx1="dk1" bg2="lt2" tx2="dk2" accent1="accent1" accent2="accent2" accent3="accent3" accent4="accent4" accent5="accent5" accent6="accent6" hlink="hlink" folHlink="folHlink"/>
+  <p:notesStyle>
+    <a:lvl1pPr marL="0" algn="l" defTabSz="914400" rtl="0" eaLnBrk="1" latinLnBrk="0" hangingPunct="1">
+      <a:defRPr sz="1200" kern="1200">
+        <a:solidFill>
+          <a:schemeClr val="tx1"/>
+        </a:solidFill>
+        <a:latin typeface="+mn-lt"/>
+        <a:ea typeface="+mn-ea"/>
+        <a:cs typeface="+mn-cs"/>
+      </a:defRPr>
+    </a:lvl1pPr>
+    <a:lvl2pPr marL="457200" algn="l" defTabSz="914400" rtl="0" eaLnBrk="1" latinLnBrk="0" hangingPunct="1">
+      <a:defRPr sz="1200" kern="1200">
+        <a:solidFill>
+          <a:schemeClr val="tx1"/>
+        </a:solidFill>
+        <a:latin typeface="+mn-lt"/>
+        <a:ea typeface="+mn-ea"/>
+        <a:cs typeface="+mn-cs"/>
+      </a:defRPr>
+    </a:lvl2pPr>
+    <a:lvl3pPr marL="914400" algn="l" defTabSz="914400" rtl="0" eaLnBrk="1" latinLnBrk="0" hangingPunct="1">
+      <a:defRPr sz="1200" kern="1200">
+        <a:solidFill>
+          <a:schemeClr val="tx1"/>
+        </a:solidFill>
+        <a:latin typeface="+mn-lt"/>
+        <a:ea typeface="+mn-ea"/>
+        <a:cs typeface="+mn-cs"/>
+      </a:defRPr>
+    </a:lvl3pPr>
+    <a:lvl4pPr marL="1371600" algn="l" defTabSz="914400" rtl="0" eaLnBrk="1" latinLnBrk="0" hangingPunct="1">
+      <a:defRPr sz="1200" kern="1200">
+        <a:solidFill>
+          <a:schemeClr val="tx1"/>
+        </a:solidFill>
+        <a:latin typeface="+mn-lt"/>
+        <a:ea typeface="+mn-ea"/>
+        <a:cs typeface="+mn-cs"/>
+      </a:defRPr>
+    </a:lvl4pPr>
+    <a:lvl5pPr marL="1828800" algn="l" defTabSz="914400" rtl="0" eaLnBrk="1" latinLnBrk="0" hangingPunct="1">
+      <a:defRPr sz="1200" kern="1200">
+        <a:solidFill>
+          <a:schemeClr val="tx1"/>
+        </a:solidFill>
+        <a:latin typeface="+mn-lt"/>
+        <a:ea typeface="+mn-ea"/>
+        <a:cs typeface="+mn-cs"/>
+      </a:defRPr>
+    </a:lvl5pPr>
+    <a:lvl6pPr marL="2286000" algn="l" defTabSz="914400" rtl="0" eaLnBrk="1" latinLnBrk="0" hangingPunct="1">
+      <a:defRPr sz="1200" kern="1200">
+        <a:solidFill>
+          <a:schemeClr val="tx1"/>
+        </a:solidFill>
+        <a:latin typeface="+mn-lt"/>
+        <a:ea typeface="+mn-ea"/>
+        <a:cs typeface="+mn-cs"/>
+      </a:defRPr>
+    </a:lvl6pPr>
+    <a:lvl7pPr marL="2743200" algn="l" defTabSz="914400" rtl="0" eaLnBrk="1" latinLnBrk="0" hangingPunct="1">
+      <a:defRPr sz="1200" kern="1200">
+        <a:solidFill>
+          <a:schemeClr val="tx1"/>
+        </a:solidFill>
+        <a:latin typeface="+mn-lt"/>
+        <a:ea typeface="+mn-ea"/>
+        <a:cs typeface="+mn-cs"/>
+      </a:defRPr>
+    </a:lvl7pPr>
+    <a:lvl8pPr marL="3200400" algn="l" defTabSz="914400" rtl="0" eaLnBrk="1" latinLnBrk="0" hangingPunct="1">
+      <a:defRPr sz="1200" kern="1200">
+        <a:solidFill>
+          <a:schemeClr val="tx1"/>
+        </a:solidFill>
+        <a:latin typeface="+mn-lt"/>
+        <a:ea typeface="+mn-ea"/>
+        <a:cs typeface="+mn-cs"/>
+      </a:defRPr>
+    </a:lvl8pPr>
+    <a:lvl9pPr marL="3657600" algn="l" defTabSz="914400" rtl="0" eaLnBrk="1" latinLnBrk="0" hangingPunct="1">
+      <a:defRPr sz="1200" kern="1200">
+        <a:solidFill>
+          <a:schemeClr val="tx1"/>
+        </a:solidFill>
+        <a:latin typeface="+mn-lt"/>
+        <a:ea typeface="+mn-ea"/>
+        <a:cs typeface="+mn-cs"/>
+      </a:defRPr>
+    </a:lvl9pPr>
+  </p:notesStyle>
+</p:notesMaster>
+</file>
+
 <file path=ppt/slideLayouts/slideLayout1.xml><?xml version="1.0" encoding="utf-8"?>
 <p:sldLayout xmlns:a="http://schemas.openxmlformats.org/drawingml/2006/main" xmlns:r="http://schemas.openxmlformats.org/officeDocument/2006/relationships" xmlns:p="http://schemas.openxmlformats.org/presentationml/2006/main" type="title" preserve="1">
   <p:cSld name="Title Slide">
@@ -243,7 +597,7 @@
           <a:p>
             <a:fld id="{F9100C5E-C61D-FC48-8565-789D69D44F4E}" type="datetimeFigureOut">
               <a:rPr lang="en-US" smtClean="0"/>
-              <a:t>9/21/20</a:t>
+              <a:t>9/25/20</a:t>
             </a:fld>
             <a:endParaRPr lang="en-US"/>
           </a:p>
@@ -413,7 +767,7 @@
           <a:p>
             <a:fld id="{F9100C5E-C61D-FC48-8565-789D69D44F4E}" type="datetimeFigureOut">
               <a:rPr lang="en-US" smtClean="0"/>
-              <a:t>9/21/20</a:t>
+              <a:t>9/25/20</a:t>
             </a:fld>
             <a:endParaRPr lang="en-US"/>
           </a:p>
@@ -593,7 +947,7 @@
           <a:p>
             <a:fld id="{F9100C5E-C61D-FC48-8565-789D69D44F4E}" type="datetimeFigureOut">
               <a:rPr lang="en-US" smtClean="0"/>
-              <a:t>9/21/20</a:t>
+              <a:t>9/25/20</a:t>
             </a:fld>
             <a:endParaRPr lang="en-US"/>
           </a:p>
@@ -763,7 +1117,7 @@
           <a:p>
             <a:fld id="{F9100C5E-C61D-FC48-8565-789D69D44F4E}" type="datetimeFigureOut">
               <a:rPr lang="en-US" smtClean="0"/>
-              <a:t>9/21/20</a:t>
+              <a:t>9/25/20</a:t>
             </a:fld>
             <a:endParaRPr lang="en-US"/>
           </a:p>
@@ -1009,7 +1363,7 @@
           <a:p>
             <a:fld id="{F9100C5E-C61D-FC48-8565-789D69D44F4E}" type="datetimeFigureOut">
               <a:rPr lang="en-US" smtClean="0"/>
-              <a:t>9/21/20</a:t>
+              <a:t>9/25/20</a:t>
             </a:fld>
             <a:endParaRPr lang="en-US"/>
           </a:p>
@@ -1241,7 +1595,7 @@
           <a:p>
             <a:fld id="{F9100C5E-C61D-FC48-8565-789D69D44F4E}" type="datetimeFigureOut">
               <a:rPr lang="en-US" smtClean="0"/>
-              <a:t>9/21/20</a:t>
+              <a:t>9/25/20</a:t>
             </a:fld>
             <a:endParaRPr lang="en-US"/>
           </a:p>
@@ -1608,7 +1962,7 @@
           <a:p>
             <a:fld id="{F9100C5E-C61D-FC48-8565-789D69D44F4E}" type="datetimeFigureOut">
               <a:rPr lang="en-US" smtClean="0"/>
-              <a:t>9/21/20</a:t>
+              <a:t>9/25/20</a:t>
             </a:fld>
             <a:endParaRPr lang="en-US"/>
           </a:p>
@@ -1726,7 +2080,7 @@
           <a:p>
             <a:fld id="{F9100C5E-C61D-FC48-8565-789D69D44F4E}" type="datetimeFigureOut">
               <a:rPr lang="en-US" smtClean="0"/>
-              <a:t>9/21/20</a:t>
+              <a:t>9/25/20</a:t>
             </a:fld>
             <a:endParaRPr lang="en-US"/>
           </a:p>
@@ -1821,7 +2175,7 @@
           <a:p>
             <a:fld id="{F9100C5E-C61D-FC48-8565-789D69D44F4E}" type="datetimeFigureOut">
               <a:rPr lang="en-US" smtClean="0"/>
-              <a:t>9/21/20</a:t>
+              <a:t>9/25/20</a:t>
             </a:fld>
             <a:endParaRPr lang="en-US"/>
           </a:p>
@@ -2098,7 +2452,7 @@
           <a:p>
             <a:fld id="{F9100C5E-C61D-FC48-8565-789D69D44F4E}" type="datetimeFigureOut">
               <a:rPr lang="en-US" smtClean="0"/>
-              <a:t>9/21/20</a:t>
+              <a:t>9/25/20</a:t>
             </a:fld>
             <a:endParaRPr lang="en-US"/>
           </a:p>
@@ -2351,7 +2705,7 @@
           <a:p>
             <a:fld id="{F9100C5E-C61D-FC48-8565-789D69D44F4E}" type="datetimeFigureOut">
               <a:rPr lang="en-US" smtClean="0"/>
-              <a:t>9/21/20</a:t>
+              <a:t>9/25/20</a:t>
             </a:fld>
             <a:endParaRPr lang="en-US"/>
           </a:p>
@@ -2564,7 +2918,7 @@
           <a:p>
             <a:fld id="{F9100C5E-C61D-FC48-8565-789D69D44F4E}" type="datetimeFigureOut">
               <a:rPr lang="en-US" smtClean="0"/>
-              <a:t>9/21/20</a:t>
+              <a:t>9/25/20</a:t>
             </a:fld>
             <a:endParaRPr lang="en-US"/>
           </a:p>
@@ -2971,9 +3325,9 @@
       </p:grpSpPr>
       <p:pic>
         <p:nvPicPr>
-          <p:cNvPr id="8" name="Picture 6" descr="ilm Bande De 35Mm - Images vectorielles gratuites sur Pixabay"/>
+          <p:cNvPr id="2" name="Picture 1"/>
           <p:cNvPicPr>
-            <a:picLocks noChangeAspect="1" noChangeArrowheads="1"/>
+            <a:picLocks noChangeAspect="1"/>
           </p:cNvPicPr>
           <p:nvPr/>
         </p:nvPicPr>
@@ -2985,68 +3339,221 @@
               </a:ext>
             </a:extLst>
           </a:blip>
-          <a:srcRect t="26382" b="36363"/>
+          <a:srcRect l="28565" r="14075"/>
           <a:stretch/>
         </p:blipFill>
-        <p:spPr bwMode="auto">
+        <p:spPr>
           <a:xfrm>
-            <a:off x="914975" y="887009"/>
-            <a:ext cx="10058399" cy="373491"/>
+            <a:off x="3788228" y="3925430"/>
+            <a:ext cx="5769429" cy="1440857"/>
           </a:xfrm>
           <a:prstGeom prst="rect">
             <a:avLst/>
           </a:prstGeom>
-          <a:noFill/>
-          <a:extLst>
-            <a:ext uri="{909E8E84-426E-40DD-AFC4-6F175D3DCCD1}">
-              <a14:hiddenFill xmlns:a14="http://schemas.microsoft.com/office/drawing/2010/main">
-                <a:solidFill>
-                  <a:srgbClr val="FFFFFF"/>
-                </a:solidFill>
-              </a14:hiddenFill>
-            </a:ext>
-          </a:extLst>
         </p:spPr>
       </p:pic>
       <p:pic>
         <p:nvPicPr>
-          <p:cNvPr id="1030" name="Picture 6" descr="ilm Bande De 35Mm - Images vectorielles gratuites sur Pixabay"/>
+          <p:cNvPr id="3" name="Picture 2"/>
           <p:cNvPicPr>
-            <a:picLocks noChangeAspect="1" noChangeArrowheads="1"/>
+            <a:picLocks noChangeAspect="1"/>
           </p:cNvPicPr>
           <p:nvPr/>
         </p:nvPicPr>
         <p:blipFill rotWithShape="1">
-          <a:blip r:embed="rId2">
+          <a:blip r:embed="rId3">
             <a:extLst>
               <a:ext uri="{28A0092B-C50C-407E-A947-70E740481C1C}">
                 <a14:useLocalDpi xmlns:a14="http://schemas.microsoft.com/office/drawing/2010/main" val="0"/>
               </a:ext>
             </a:extLst>
           </a:blip>
-          <a:srcRect t="26382" b="36363"/>
+          <a:srcRect l="28565" r="14075"/>
           <a:stretch/>
         </p:blipFill>
-        <p:spPr bwMode="auto">
-          <a:xfrm rot="10800000">
-            <a:off x="914976" y="5094621"/>
-            <a:ext cx="10058399" cy="373491"/>
+        <p:spPr>
+          <a:xfrm>
+            <a:off x="3788229" y="2453203"/>
+            <a:ext cx="5769428" cy="1440857"/>
+          </a:xfrm>
+          <a:prstGeom prst="rect">
+            <a:avLst/>
+          </a:prstGeom>
+        </p:spPr>
+      </p:pic>
+      <p:pic>
+        <p:nvPicPr>
+          <p:cNvPr id="7" name="Picture 6"/>
+          <p:cNvPicPr>
+            <a:picLocks noChangeAspect="1"/>
+          </p:cNvPicPr>
+          <p:nvPr/>
+        </p:nvPicPr>
+        <p:blipFill rotWithShape="1">
+          <a:blip r:embed="rId4">
+            <a:extLst>
+              <a:ext uri="{28A0092B-C50C-407E-A947-70E740481C1C}">
+                <a14:useLocalDpi xmlns:a14="http://schemas.microsoft.com/office/drawing/2010/main" val="0"/>
+              </a:ext>
+            </a:extLst>
+          </a:blip>
+          <a:srcRect l="28565" r="14075"/>
+          <a:stretch/>
+        </p:blipFill>
+        <p:spPr>
+          <a:xfrm>
+            <a:off x="3788229" y="990680"/>
+            <a:ext cx="5769428" cy="1440857"/>
+          </a:xfrm>
+          <a:prstGeom prst="rect">
+            <a:avLst/>
+          </a:prstGeom>
+        </p:spPr>
+      </p:pic>
+      <p:sp>
+        <p:nvSpPr>
+          <p:cNvPr id="5" name="TextBox 4"/>
+          <p:cNvSpPr txBox="1"/>
+          <p:nvPr/>
+        </p:nvSpPr>
+        <p:spPr>
+          <a:xfrm rot="16200000">
+            <a:off x="3113259" y="1475424"/>
+            <a:ext cx="888274" cy="461665"/>
           </a:xfrm>
           <a:prstGeom prst="rect">
             <a:avLst/>
           </a:prstGeom>
           <a:noFill/>
-          <a:extLst>
-            <a:ext uri="{909E8E84-426E-40DD-AFC4-6F175D3DCCD1}">
-              <a14:hiddenFill xmlns:a14="http://schemas.microsoft.com/office/drawing/2010/main">
-                <a:solidFill>
-                  <a:srgbClr val="FFFFFF"/>
-                </a:solidFill>
-              </a14:hiddenFill>
-            </a:ext>
-          </a:extLst>
         </p:spPr>
-      </p:pic>
+        <p:txBody>
+          <a:bodyPr wrap="square" rtlCol="0">
+            <a:spAutoFit/>
+          </a:bodyPr>
+          <a:lstStyle/>
+          <a:p>
+            <a:r>
+              <a:rPr lang="en-US" altLang="zh-CN" sz="2400" b="1" dirty="0" smtClean="0">
+                <a:latin typeface="Times New Roman" charset="0"/>
+                <a:ea typeface="Times New Roman" charset="0"/>
+                <a:cs typeface="Times New Roman" charset="0"/>
+              </a:rPr>
+              <a:t>Seq.1</a:t>
+            </a:r>
+            <a:endParaRPr lang="en-US" sz="2400" b="1" dirty="0">
+              <a:latin typeface="Times New Roman" charset="0"/>
+              <a:ea typeface="Times New Roman" charset="0"/>
+              <a:cs typeface="Times New Roman" charset="0"/>
+            </a:endParaRPr>
+          </a:p>
+        </p:txBody>
+      </p:sp>
+      <p:sp>
+        <p:nvSpPr>
+          <p:cNvPr id="12" name="TextBox 11"/>
+          <p:cNvSpPr txBox="1"/>
+          <p:nvPr/>
+        </p:nvSpPr>
+        <p:spPr>
+          <a:xfrm rot="16200000">
+            <a:off x="3113259" y="2942798"/>
+            <a:ext cx="888274" cy="461665"/>
+          </a:xfrm>
+          <a:prstGeom prst="rect">
+            <a:avLst/>
+          </a:prstGeom>
+          <a:noFill/>
+        </p:spPr>
+        <p:txBody>
+          <a:bodyPr wrap="square" rtlCol="0">
+            <a:spAutoFit/>
+          </a:bodyPr>
+          <a:lstStyle/>
+          <a:p>
+            <a:r>
+              <a:rPr lang="en-US" altLang="zh-CN" sz="2400" b="1" smtClean="0">
+                <a:latin typeface="Times New Roman" charset="0"/>
+                <a:ea typeface="Times New Roman" charset="0"/>
+                <a:cs typeface="Times New Roman" charset="0"/>
+              </a:rPr>
+              <a:t>Seq.2</a:t>
+            </a:r>
+            <a:endParaRPr lang="en-US" sz="2400" b="1" dirty="0">
+              <a:latin typeface="Times New Roman" charset="0"/>
+              <a:ea typeface="Times New Roman" charset="0"/>
+              <a:cs typeface="Times New Roman" charset="0"/>
+            </a:endParaRPr>
+          </a:p>
+        </p:txBody>
+      </p:sp>
+      <p:sp>
+        <p:nvSpPr>
+          <p:cNvPr id="13" name="TextBox 12"/>
+          <p:cNvSpPr txBox="1"/>
+          <p:nvPr/>
+        </p:nvSpPr>
+        <p:spPr>
+          <a:xfrm rot="16200000">
+            <a:off x="3113259" y="4415026"/>
+            <a:ext cx="888274" cy="461665"/>
+          </a:xfrm>
+          <a:prstGeom prst="rect">
+            <a:avLst/>
+          </a:prstGeom>
+          <a:noFill/>
+        </p:spPr>
+        <p:txBody>
+          <a:bodyPr wrap="square" rtlCol="0">
+            <a:spAutoFit/>
+          </a:bodyPr>
+          <a:lstStyle/>
+          <a:p>
+            <a:r>
+              <a:rPr lang="en-US" altLang="zh-CN" sz="2400" b="1" smtClean="0">
+                <a:latin typeface="Times New Roman" charset="0"/>
+                <a:ea typeface="Times New Roman" charset="0"/>
+                <a:cs typeface="Times New Roman" charset="0"/>
+              </a:rPr>
+              <a:t>Seq.3</a:t>
+            </a:r>
+            <a:endParaRPr lang="en-US" sz="2400" b="1" dirty="0">
+              <a:latin typeface="Times New Roman" charset="0"/>
+              <a:ea typeface="Times New Roman" charset="0"/>
+              <a:cs typeface="Times New Roman" charset="0"/>
+            </a:endParaRPr>
+          </a:p>
+        </p:txBody>
+      </p:sp>
+    </p:spTree>
+    <p:extLst>
+      <p:ext uri="{BB962C8B-B14F-4D97-AF65-F5344CB8AC3E}">
+        <p14:creationId xmlns:p14="http://schemas.microsoft.com/office/powerpoint/2010/main" val="1743426894"/>
+      </p:ext>
+    </p:extLst>
+  </p:cSld>
+  <p:clrMapOvr>
+    <a:masterClrMapping/>
+  </p:clrMapOvr>
+</p:sld>
+</file>
+
+<file path=ppt/slides/slide2.xml><?xml version="1.0" encoding="utf-8"?>
+<p:sld xmlns:a="http://schemas.openxmlformats.org/drawingml/2006/main" xmlns:r="http://schemas.openxmlformats.org/officeDocument/2006/relationships" xmlns:p="http://schemas.openxmlformats.org/presentationml/2006/main">
+  <p:cSld>
+    <p:spTree>
+      <p:nvGrpSpPr>
+        <p:cNvPr id="1" name=""/>
+        <p:cNvGrpSpPr/>
+        <p:nvPr/>
+      </p:nvGrpSpPr>
+      <p:grpSpPr>
+        <a:xfrm>
+          <a:off x="0" y="0"/>
+          <a:ext cx="0" cy="0"/>
+          <a:chOff x="0" y="0"/>
+          <a:chExt cx="0" cy="0"/>
+        </a:xfrm>
+      </p:grpSpPr>
       <p:pic>
         <p:nvPicPr>
           <p:cNvPr id="2" name="Picture 1"/>
@@ -3056,7 +3563,7 @@
           <p:nvPr/>
         </p:nvPicPr>
         <p:blipFill>
-          <a:blip r:embed="rId3">
+          <a:blip r:embed="rId2">
             <a:extLst>
               <a:ext uri="{28A0092B-C50C-407E-A947-70E740481C1C}">
                 <a14:useLocalDpi xmlns:a14="http://schemas.microsoft.com/office/drawing/2010/main" val="0"/>
@@ -3086,7 +3593,7 @@
           <p:nvPr/>
         </p:nvPicPr>
         <p:blipFill>
-          <a:blip r:embed="rId4">
+          <a:blip r:embed="rId3">
             <a:extLst>
               <a:ext uri="{28A0092B-C50C-407E-A947-70E740481C1C}">
                 <a14:useLocalDpi xmlns:a14="http://schemas.microsoft.com/office/drawing/2010/main" val="0"/>
@@ -3116,7 +3623,7 @@
           <p:nvPr/>
         </p:nvPicPr>
         <p:blipFill>
-          <a:blip r:embed="rId5">
+          <a:blip r:embed="rId4">
             <a:extLst>
               <a:ext uri="{28A0092B-C50C-407E-A947-70E740481C1C}">
                 <a14:useLocalDpi xmlns:a14="http://schemas.microsoft.com/office/drawing/2010/main" val="0"/>
@@ -3140,7 +3647,7 @@
     </p:spTree>
     <p:extLst>
       <p:ext uri="{BB962C8B-B14F-4D97-AF65-F5344CB8AC3E}">
-        <p14:creationId xmlns:p14="http://schemas.microsoft.com/office/powerpoint/2010/main" val="1743426894"/>
+        <p14:creationId xmlns:p14="http://schemas.microsoft.com/office/powerpoint/2010/main" val="552160133"/>
       </p:ext>
     </p:extLst>
   </p:cSld>
@@ -3409,4 +3916,265 @@
     </a:ext>
   </a:extLst>
 </a:theme>
+</file>
+
+<file path=ppt/theme/theme2.xml><?xml version="1.0" encoding="utf-8"?>
+<a:theme xmlns:a="http://schemas.openxmlformats.org/drawingml/2006/main" name="Office Theme">
+  <a:themeElements>
+    <a:clrScheme name="Office">
+      <a:dk1>
+        <a:sysClr val="windowText" lastClr="000000"/>
+      </a:dk1>
+      <a:lt1>
+        <a:sysClr val="window" lastClr="FFFFFF"/>
+      </a:lt1>
+      <a:dk2>
+        <a:srgbClr val="44546A"/>
+      </a:dk2>
+      <a:lt2>
+        <a:srgbClr val="E7E6E6"/>
+      </a:lt2>
+      <a:accent1>
+        <a:srgbClr val="4472C4"/>
+      </a:accent1>
+      <a:accent2>
+        <a:srgbClr val="ED7D31"/>
+      </a:accent2>
+      <a:accent3>
+        <a:srgbClr val="A5A5A5"/>
+      </a:accent3>
+      <a:accent4>
+        <a:srgbClr val="FFC000"/>
+      </a:accent4>
+      <a:accent5>
+        <a:srgbClr val="5B9BD5"/>
+      </a:accent5>
+      <a:accent6>
+        <a:srgbClr val="70AD47"/>
+      </a:accent6>
+      <a:hlink>
+        <a:srgbClr val="0563C1"/>
+      </a:hlink>
+      <a:folHlink>
+        <a:srgbClr val="954F72"/>
+      </a:folHlink>
+    </a:clrScheme>
+    <a:fontScheme name="Office">
+      <a:majorFont>
+        <a:latin typeface="Calibri Light" panose="020F0302020204030204"/>
+        <a:ea typeface=""/>
+        <a:cs typeface=""/>
+        <a:font script="Jpan" typeface="Yu Gothic Light"/>
+        <a:font script="Hang" typeface="맑은 고딕"/>
+        <a:font script="Hans" typeface="DengXian Light"/>
+        <a:font script="Hant" typeface="新細明體"/>
+        <a:font script="Arab" typeface="Times New Roman"/>
+        <a:font script="Hebr" typeface="Times New Roman"/>
+        <a:font script="Thai" typeface="Angsana New"/>
+        <a:font script="Ethi" typeface="Nyala"/>
+        <a:font script="Beng" typeface="Vrinda"/>
+        <a:font script="Gujr" typeface="Shruti"/>
+        <a:font script="Khmr" typeface="MoolBoran"/>
+        <a:font script="Knda" typeface="Tunga"/>
+        <a:font script="Guru" typeface="Raavi"/>
+        <a:font script="Cans" typeface="Euphemia"/>
+        <a:font script="Cher" typeface="Plantagenet Cherokee"/>
+        <a:font script="Yiii" typeface="Microsoft Yi Baiti"/>
+        <a:font script="Tibt" typeface="Microsoft Himalaya"/>
+        <a:font script="Thaa" typeface="MV Boli"/>
+        <a:font script="Deva" typeface="Mangal"/>
+        <a:font script="Telu" typeface="Gautami"/>
+        <a:font script="Taml" typeface="Latha"/>
+        <a:font script="Syrc" typeface="Estrangelo Edessa"/>
+        <a:font script="Orya" typeface="Kalinga"/>
+        <a:font script="Mlym" typeface="Kartika"/>
+        <a:font script="Laoo" typeface="DokChampa"/>
+        <a:font script="Sinh" typeface="Iskoola Pota"/>
+        <a:font script="Mong" typeface="Mongolian Baiti"/>
+        <a:font script="Viet" typeface="Times New Roman"/>
+        <a:font script="Uigh" typeface="Microsoft Uighur"/>
+        <a:font script="Geor" typeface="Sylfaen"/>
+      </a:majorFont>
+      <a:minorFont>
+        <a:latin typeface="Calibri" panose="020F0502020204030204"/>
+        <a:ea typeface=""/>
+        <a:cs typeface=""/>
+        <a:font script="Jpan" typeface="Yu Gothic"/>
+        <a:font script="Hang" typeface="맑은 고딕"/>
+        <a:font script="Hans" typeface="DengXian"/>
+        <a:font script="Hant" typeface="新細明體"/>
+        <a:font script="Arab" typeface="Arial"/>
+        <a:font script="Hebr" typeface="Arial"/>
+        <a:font script="Thai" typeface="Cordia New"/>
+        <a:font script="Ethi" typeface="Nyala"/>
+        <a:font script="Beng" typeface="Vrinda"/>
+        <a:font script="Gujr" typeface="Shruti"/>
+        <a:font script="Khmr" typeface="DaunPenh"/>
+        <a:font script="Knda" typeface="Tunga"/>
+        <a:font script="Guru" typeface="Raavi"/>
+        <a:font script="Cans" typeface="Euphemia"/>
+        <a:font script="Cher" typeface="Plantagenet Cherokee"/>
+        <a:font script="Yiii" typeface="Microsoft Yi Baiti"/>
+        <a:font script="Tibt" typeface="Microsoft Himalaya"/>
+        <a:font script="Thaa" typeface="MV Boli"/>
+        <a:font script="Deva" typeface="Mangal"/>
+        <a:font script="Telu" typeface="Gautami"/>
+        <a:font script="Taml" typeface="Latha"/>
+        <a:font script="Syrc" typeface="Estrangelo Edessa"/>
+        <a:font script="Orya" typeface="Kalinga"/>
+        <a:font script="Mlym" typeface="Kartika"/>
+        <a:font script="Laoo" typeface="DokChampa"/>
+        <a:font script="Sinh" typeface="Iskoola Pota"/>
+        <a:font script="Mong" typeface="Mongolian Baiti"/>
+        <a:font script="Viet" typeface="Arial"/>
+        <a:font script="Uigh" typeface="Microsoft Uighur"/>
+        <a:font script="Geor" typeface="Sylfaen"/>
+      </a:minorFont>
+    </a:fontScheme>
+    <a:fmtScheme name="Office">
+      <a:fillStyleLst>
+        <a:solidFill>
+          <a:schemeClr val="phClr"/>
+        </a:solidFill>
+        <a:gradFill rotWithShape="1">
+          <a:gsLst>
+            <a:gs pos="0">
+              <a:schemeClr val="phClr">
+                <a:lumMod val="110000"/>
+                <a:satMod val="105000"/>
+                <a:tint val="67000"/>
+              </a:schemeClr>
+            </a:gs>
+            <a:gs pos="50000">
+              <a:schemeClr val="phClr">
+                <a:lumMod val="105000"/>
+                <a:satMod val="103000"/>
+                <a:tint val="73000"/>
+              </a:schemeClr>
+            </a:gs>
+            <a:gs pos="100000">
+              <a:schemeClr val="phClr">
+                <a:lumMod val="105000"/>
+                <a:satMod val="109000"/>
+                <a:tint val="81000"/>
+              </a:schemeClr>
+            </a:gs>
+          </a:gsLst>
+          <a:lin ang="5400000" scaled="0"/>
+        </a:gradFill>
+        <a:gradFill rotWithShape="1">
+          <a:gsLst>
+            <a:gs pos="0">
+              <a:schemeClr val="phClr">
+                <a:satMod val="103000"/>
+                <a:lumMod val="102000"/>
+                <a:tint val="94000"/>
+              </a:schemeClr>
+            </a:gs>
+            <a:gs pos="50000">
+              <a:schemeClr val="phClr">
+                <a:satMod val="110000"/>
+                <a:lumMod val="100000"/>
+                <a:shade val="100000"/>
+              </a:schemeClr>
+            </a:gs>
+            <a:gs pos="100000">
+              <a:schemeClr val="phClr">
+                <a:lumMod val="99000"/>
+                <a:satMod val="120000"/>
+                <a:shade val="78000"/>
+              </a:schemeClr>
+            </a:gs>
+          </a:gsLst>
+          <a:lin ang="5400000" scaled="0"/>
+        </a:gradFill>
+      </a:fillStyleLst>
+      <a:lnStyleLst>
+        <a:ln w="6350" cap="flat" cmpd="sng" algn="ctr">
+          <a:solidFill>
+            <a:schemeClr val="phClr"/>
+          </a:solidFill>
+          <a:prstDash val="solid"/>
+          <a:miter lim="800000"/>
+        </a:ln>
+        <a:ln w="12700" cap="flat" cmpd="sng" algn="ctr">
+          <a:solidFill>
+            <a:schemeClr val="phClr"/>
+          </a:solidFill>
+          <a:prstDash val="solid"/>
+          <a:miter lim="800000"/>
+        </a:ln>
+        <a:ln w="19050" cap="flat" cmpd="sng" algn="ctr">
+          <a:solidFill>
+            <a:schemeClr val="phClr"/>
+          </a:solidFill>
+          <a:prstDash val="solid"/>
+          <a:miter lim="800000"/>
+        </a:ln>
+      </a:lnStyleLst>
+      <a:effectStyleLst>
+        <a:effectStyle>
+          <a:effectLst/>
+        </a:effectStyle>
+        <a:effectStyle>
+          <a:effectLst/>
+        </a:effectStyle>
+        <a:effectStyle>
+          <a:effectLst>
+            <a:outerShdw blurRad="57150" dist="19050" dir="5400000" algn="ctr" rotWithShape="0">
+              <a:srgbClr val="000000">
+                <a:alpha val="63000"/>
+              </a:srgbClr>
+            </a:outerShdw>
+          </a:effectLst>
+        </a:effectStyle>
+      </a:effectStyleLst>
+      <a:bgFillStyleLst>
+        <a:solidFill>
+          <a:schemeClr val="phClr"/>
+        </a:solidFill>
+        <a:solidFill>
+          <a:schemeClr val="phClr">
+            <a:tint val="95000"/>
+            <a:satMod val="170000"/>
+          </a:schemeClr>
+        </a:solidFill>
+        <a:gradFill rotWithShape="1">
+          <a:gsLst>
+            <a:gs pos="0">
+              <a:schemeClr val="phClr">
+                <a:tint val="93000"/>
+                <a:satMod val="150000"/>
+                <a:shade val="98000"/>
+                <a:lumMod val="102000"/>
+              </a:schemeClr>
+            </a:gs>
+            <a:gs pos="50000">
+              <a:schemeClr val="phClr">
+                <a:tint val="98000"/>
+                <a:satMod val="130000"/>
+                <a:shade val="90000"/>
+                <a:lumMod val="103000"/>
+              </a:schemeClr>
+            </a:gs>
+            <a:gs pos="100000">
+              <a:schemeClr val="phClr">
+                <a:shade val="63000"/>
+                <a:satMod val="120000"/>
+              </a:schemeClr>
+            </a:gs>
+          </a:gsLst>
+          <a:lin ang="5400000" scaled="0"/>
+        </a:gradFill>
+      </a:bgFillStyleLst>
+    </a:fmtScheme>
+  </a:themeElements>
+  <a:objectDefaults/>
+  <a:extraClrSchemeLst/>
+  <a:extLst>
+    <a:ext uri="{05A4C25C-085E-4340-85A3-A5531E510DB2}">
+      <thm15:themeFamily xmlns:thm15="http://schemas.microsoft.com/office/thememl/2012/main" name="Office Theme" id="{62F939B6-93AF-4DB8-9C6B-D6C7DFDC589F}" vid="{4A3C46E8-61CC-4603-A589-7422A47A8E4A}"/>
+    </a:ext>
+  </a:extLst>
+</a:theme>
 </file>